--- a/project-planning/Wireframe.pptx
+++ b/project-planning/Wireframe.pptx
@@ -109,6 +109,11 @@
       </a:defRPr>
     </a:lvl9pPr>
   </p:defaultTextStyle>
+  <p:extLst>
+    <p:ext uri="{EFAFB233-063F-42B5-8137-9DF3F51BA10A}">
+      <p15:sldGuideLst xmlns:p15="http://schemas.microsoft.com/office/powerpoint/2012/main"/>
+    </p:ext>
+  </p:extLst>
 </p:presentation>
 </file>
 
@@ -243,7 +248,7 @@
           <a:p>
             <a:fld id="{5C91ADB0-F71D-4813-BC43-9B1C24583776}" type="datetimeFigureOut">
               <a:rPr lang="en-US" smtClean="0"/>
-              <a:t>7/27/2018</a:t>
+              <a:t>7/28/2018</a:t>
             </a:fld>
             <a:endParaRPr lang="en-US"/>
           </a:p>
@@ -413,7 +418,7 @@
           <a:p>
             <a:fld id="{5C91ADB0-F71D-4813-BC43-9B1C24583776}" type="datetimeFigureOut">
               <a:rPr lang="en-US" smtClean="0"/>
-              <a:t>7/27/2018</a:t>
+              <a:t>7/28/2018</a:t>
             </a:fld>
             <a:endParaRPr lang="en-US"/>
           </a:p>
@@ -593,7 +598,7 @@
           <a:p>
             <a:fld id="{5C91ADB0-F71D-4813-BC43-9B1C24583776}" type="datetimeFigureOut">
               <a:rPr lang="en-US" smtClean="0"/>
-              <a:t>7/27/2018</a:t>
+              <a:t>7/28/2018</a:t>
             </a:fld>
             <a:endParaRPr lang="en-US"/>
           </a:p>
@@ -763,7 +768,7 @@
           <a:p>
             <a:fld id="{5C91ADB0-F71D-4813-BC43-9B1C24583776}" type="datetimeFigureOut">
               <a:rPr lang="en-US" smtClean="0"/>
-              <a:t>7/27/2018</a:t>
+              <a:t>7/28/2018</a:t>
             </a:fld>
             <a:endParaRPr lang="en-US"/>
           </a:p>
@@ -1009,7 +1014,7 @@
           <a:p>
             <a:fld id="{5C91ADB0-F71D-4813-BC43-9B1C24583776}" type="datetimeFigureOut">
               <a:rPr lang="en-US" smtClean="0"/>
-              <a:t>7/27/2018</a:t>
+              <a:t>7/28/2018</a:t>
             </a:fld>
             <a:endParaRPr lang="en-US"/>
           </a:p>
@@ -1241,7 +1246,7 @@
           <a:p>
             <a:fld id="{5C91ADB0-F71D-4813-BC43-9B1C24583776}" type="datetimeFigureOut">
               <a:rPr lang="en-US" smtClean="0"/>
-              <a:t>7/27/2018</a:t>
+              <a:t>7/28/2018</a:t>
             </a:fld>
             <a:endParaRPr lang="en-US"/>
           </a:p>
@@ -1608,7 +1613,7 @@
           <a:p>
             <a:fld id="{5C91ADB0-F71D-4813-BC43-9B1C24583776}" type="datetimeFigureOut">
               <a:rPr lang="en-US" smtClean="0"/>
-              <a:t>7/27/2018</a:t>
+              <a:t>7/28/2018</a:t>
             </a:fld>
             <a:endParaRPr lang="en-US"/>
           </a:p>
@@ -1726,7 +1731,7 @@
           <a:p>
             <a:fld id="{5C91ADB0-F71D-4813-BC43-9B1C24583776}" type="datetimeFigureOut">
               <a:rPr lang="en-US" smtClean="0"/>
-              <a:t>7/27/2018</a:t>
+              <a:t>7/28/2018</a:t>
             </a:fld>
             <a:endParaRPr lang="en-US"/>
           </a:p>
@@ -1821,7 +1826,7 @@
           <a:p>
             <a:fld id="{5C91ADB0-F71D-4813-BC43-9B1C24583776}" type="datetimeFigureOut">
               <a:rPr lang="en-US" smtClean="0"/>
-              <a:t>7/27/2018</a:t>
+              <a:t>7/28/2018</a:t>
             </a:fld>
             <a:endParaRPr lang="en-US"/>
           </a:p>
@@ -2098,7 +2103,7 @@
           <a:p>
             <a:fld id="{5C91ADB0-F71D-4813-BC43-9B1C24583776}" type="datetimeFigureOut">
               <a:rPr lang="en-US" smtClean="0"/>
-              <a:t>7/27/2018</a:t>
+              <a:t>7/28/2018</a:t>
             </a:fld>
             <a:endParaRPr lang="en-US"/>
           </a:p>
@@ -2351,7 +2356,7 @@
           <a:p>
             <a:fld id="{5C91ADB0-F71D-4813-BC43-9B1C24583776}" type="datetimeFigureOut">
               <a:rPr lang="en-US" smtClean="0"/>
-              <a:t>7/27/2018</a:t>
+              <a:t>7/28/2018</a:t>
             </a:fld>
             <a:endParaRPr lang="en-US"/>
           </a:p>
@@ -2564,7 +2569,7 @@
           <a:p>
             <a:fld id="{5C91ADB0-F71D-4813-BC43-9B1C24583776}" type="datetimeFigureOut">
               <a:rPr lang="en-US" smtClean="0"/>
-              <a:t>7/27/2018</a:t>
+              <a:t>7/28/2018</a:t>
             </a:fld>
             <a:endParaRPr lang="en-US"/>
           </a:p>
@@ -4465,7 +4470,6 @@
               <a:rPr lang="en-US" dirty="0" smtClean="0"/>
               <a:t>- - - - - - - - - - - - - - - - - - - - - - - - - - - - - - - - - - - - - - - - - -</a:t>
             </a:r>
-            <a:endParaRPr lang="en-US" dirty="0" smtClean="0"/>
           </a:p>
           <a:p>
             <a:endParaRPr lang="en-US" dirty="0"/>
@@ -4502,6 +4506,43 @@
             <a:r>
               <a:rPr lang="en-US" dirty="0" smtClean="0"/>
               <a:t>Sort Posts</a:t>
+            </a:r>
+            <a:endParaRPr lang="en-US" dirty="0"/>
+          </a:p>
+        </p:txBody>
+      </p:sp>
+      <p:sp>
+        <p:nvSpPr>
+          <p:cNvPr id="3" name="TextBox 2"/>
+          <p:cNvSpPr txBox="1"/>
+          <p:nvPr/>
+        </p:nvSpPr>
+        <p:spPr>
+          <a:xfrm>
+            <a:off x="10552811" y="365125"/>
+            <a:ext cx="800989" cy="369332"/>
+          </a:xfrm>
+          <a:prstGeom prst="rect">
+            <a:avLst/>
+          </a:prstGeom>
+          <a:solidFill>
+            <a:schemeClr val="bg1"/>
+          </a:solidFill>
+          <a:ln>
+            <a:solidFill>
+              <a:schemeClr val="accent1"/>
+            </a:solidFill>
+          </a:ln>
+        </p:spPr>
+        <p:txBody>
+          <a:bodyPr wrap="none" rtlCol="0">
+            <a:spAutoFit/>
+          </a:bodyPr>
+          <a:lstStyle/>
+          <a:p>
+            <a:r>
+              <a:rPr lang="en-US" dirty="0" smtClean="0"/>
+              <a:t>Follow</a:t>
             </a:r>
             <a:endParaRPr lang="en-US" dirty="0"/>
           </a:p>
@@ -4581,15 +4622,7 @@
           <a:p>
             <a:r>
               <a:rPr lang="en-US" dirty="0" smtClean="0"/>
-              <a:t>- - - - - - - - - - - - - - - - - - - - - - - - - - - - - - - - - - - </a:t>
-            </a:r>
-            <a:r>
-              <a:rPr lang="en-US" dirty="0" smtClean="0"/>
-              <a:t>- - - - - </a:t>
-            </a:r>
-            <a:r>
-              <a:rPr lang="en-US" dirty="0" smtClean="0"/>
-              <a:t>- - - - - - - - - - - - - - - - </a:t>
+              <a:t>- - - - - - - - - - - - - - - - - - - - - - - - - - - - - - - - - - - - - - - - - - - - - - - - - - - - - - - - </a:t>
             </a:r>
             <a:endParaRPr lang="en-US" dirty="0"/>
           </a:p>
